--- a/02.NSC/More Number_theory.pptx
+++ b/02.NSC/More Number_theory.pptx
@@ -207,7 +207,7 @@
           <a:p>
             <a:fld id="{1D8BD707-D9CF-40AE-B4C6-C98DA3205C09}" type="datetimeFigureOut">
               <a:rPr lang="en-US"/>
-              <a:t>2/12/2024</a:t>
+              <a:t>3/31/2024</a:t>
             </a:fld>
             <a:endParaRPr lang="en-US"/>
           </a:p>
@@ -384,7 +384,7 @@
           <a:p>
             <a:fld id="{1D8BD707-D9CF-40AE-B4C6-C98DA3205C09}" type="datetimeFigureOut">
               <a:rPr lang="en-US"/>
-              <a:t>2/12/2024</a:t>
+              <a:t>3/31/2024</a:t>
             </a:fld>
             <a:endParaRPr lang="en-US"/>
           </a:p>
@@ -598,7 +598,7 @@
           <a:p>
             <a:fld id="{1D8BD707-D9CF-40AE-B4C6-C98DA3205C09}" type="datetimeFigureOut">
               <a:rPr lang="en-US"/>
-              <a:t>2/12/2024</a:t>
+              <a:t>3/31/2024</a:t>
             </a:fld>
             <a:endParaRPr lang="en-US"/>
           </a:p>
@@ -746,7 +746,7 @@
           <a:p>
             <a:fld id="{1D8BD707-D9CF-40AE-B4C6-C98DA3205C09}" type="datetimeFigureOut">
               <a:rPr lang="en-US"/>
-              <a:t>2/12/2024</a:t>
+              <a:t>3/31/2024</a:t>
             </a:fld>
             <a:endParaRPr lang="en-US"/>
           </a:p>
@@ -865,7 +865,7 @@
           <a:p>
             <a:fld id="{1D8BD707-D9CF-40AE-B4C6-C98DA3205C09}" type="datetimeFigureOut">
               <a:rPr lang="en-US"/>
-              <a:t>2/12/2024</a:t>
+              <a:t>3/31/2024</a:t>
             </a:fld>
             <a:endParaRPr lang="en-US"/>
           </a:p>
@@ -1090,7 +1090,7 @@
           <a:p>
             <a:fld id="{1D8BD707-D9CF-40AE-B4C6-C98DA3205C09}" type="datetimeFigureOut">
               <a:rPr lang="en-US"/>
-              <a:t>2/12/2024</a:t>
+              <a:t>3/31/2024</a:t>
             </a:fld>
             <a:endParaRPr lang="en-US"/>
           </a:p>
@@ -4381,7 +4381,7 @@
               </a:rPr>
               <a:t>Theorem</a:t>
             </a:r>
-            <a:endParaRPr sz="2800">
+            <a:endParaRPr sz="2800" dirty="0">
               <a:latin typeface="Arial"/>
               <a:cs typeface="Arial"/>
             </a:endParaRPr>
@@ -4420,7 +4420,7 @@
               </a:rPr>
               <a:t>is:</a:t>
             </a:r>
-            <a:endParaRPr sz="2800">
+            <a:endParaRPr sz="2800" dirty="0">
               <a:latin typeface="Arial"/>
               <a:cs typeface="Arial"/>
             </a:endParaRPr>
@@ -4483,7 +4483,7 @@
               </a:rPr>
               <a:t>is:</a:t>
             </a:r>
-            <a:endParaRPr sz="2400">
+            <a:endParaRPr sz="2400" dirty="0">
               <a:latin typeface="Arial"/>
               <a:cs typeface="Arial"/>
             </a:endParaRPr>
@@ -4645,7 +4645,7 @@
               </a:rPr>
               <a:t>q</a:t>
             </a:r>
-            <a:endParaRPr sz="2400">
+            <a:endParaRPr sz="2400" dirty="0">
               <a:latin typeface="Courier New"/>
               <a:cs typeface="Courier New"/>
             </a:endParaRPr>
@@ -4775,7 +4775,7 @@
               </a:rPr>
               <a:t>–1</a:t>
             </a:r>
-            <a:endParaRPr sz="2400">
+            <a:endParaRPr sz="2400" dirty="0">
               <a:latin typeface="Courier New"/>
               <a:cs typeface="Courier New"/>
             </a:endParaRPr>
@@ -4932,7 +4932,7 @@
               </a:rPr>
               <a:t>prime");</a:t>
             </a:r>
-            <a:endParaRPr sz="2400">
+            <a:endParaRPr sz="2400" dirty="0">
               <a:latin typeface="Arial"/>
               <a:cs typeface="Arial"/>
             </a:endParaRPr>
@@ -5070,7 +5070,7 @@
               </a:rPr>
               <a:t>do</a:t>
             </a:r>
-            <a:endParaRPr sz="2400">
+            <a:endParaRPr sz="2400" dirty="0">
               <a:latin typeface="Arial"/>
               <a:cs typeface="Arial"/>
             </a:endParaRPr>
@@ -5116,6 +5116,13 @@
               <a:t>a</a:t>
             </a:r>
             <a:r>
+              <a:rPr lang="en-IN" sz="2400" i="1" spc="-15" baseline="24305" dirty="0">
+                <a:latin typeface="Courier New"/>
+                <a:cs typeface="Courier New"/>
+              </a:rPr>
+              <a:t>(</a:t>
+            </a:r>
+            <a:r>
               <a:rPr sz="2400" spc="-15" baseline="24305" dirty="0">
                 <a:latin typeface="Courier New"/>
                 <a:cs typeface="Courier New"/>
@@ -5130,18 +5137,11 @@
               <a:t>j</a:t>
             </a:r>
             <a:r>
-              <a:rPr sz="2400" i="1" spc="-15" baseline="24305" dirty="0">
-                <a:latin typeface="Courier New"/>
-                <a:cs typeface="Courier New"/>
-              </a:rPr>
-              <a:t>q</a:t>
-            </a:r>
-            <a:r>
-              <a:rPr sz="2400" i="1" baseline="24305" dirty="0">
-                <a:latin typeface="Courier New"/>
-                <a:cs typeface="Courier New"/>
-              </a:rPr>
-              <a:t>	</a:t>
+              <a:rPr lang="en-US" sz="2400" i="1" spc="-15" baseline="24305" dirty="0">
+                <a:latin typeface="Courier New"/>
+                <a:cs typeface="Courier New"/>
+              </a:rPr>
+              <a:t>)q </a:t>
             </a:r>
             <a:r>
               <a:rPr sz="2400" dirty="0">
@@ -5206,7 +5206,7 @@
               </a:rPr>
               <a:t>)</a:t>
             </a:r>
-            <a:endParaRPr sz="2400">
+            <a:endParaRPr sz="2400" dirty="0">
               <a:latin typeface="Arial"/>
               <a:cs typeface="Arial"/>
             </a:endParaRPr>
@@ -5283,7 +5283,7 @@
               </a:rPr>
               <a:t>")</a:t>
             </a:r>
-            <a:endParaRPr sz="2400">
+            <a:endParaRPr sz="2400" dirty="0">
               <a:latin typeface="Arial"/>
               <a:cs typeface="Arial"/>
             </a:endParaRPr>
@@ -5319,7 +5319,7 @@
               </a:rPr>
               <a:t>("composite")</a:t>
             </a:r>
-            <a:endParaRPr sz="2400">
+            <a:endParaRPr sz="2400" dirty="0">
               <a:latin typeface="Arial"/>
               <a:cs typeface="Arial"/>
             </a:endParaRPr>
@@ -5369,7 +5369,7 @@
               </a:rPr>
               <a:t>examples</a:t>
             </a:r>
-            <a:endParaRPr sz="2800">
+            <a:endParaRPr sz="2800" dirty="0">
               <a:latin typeface="Arial"/>
               <a:cs typeface="Arial"/>
             </a:endParaRPr>
@@ -18194,7 +18194,7 @@
         </p:blipFill>
         <p:spPr bwMode="auto">
           <a:xfrm>
-            <a:off x="685800" y="1447800"/>
+            <a:off x="619760" y="1538681"/>
             <a:ext cx="7620000" cy="4571999"/>
           </a:xfrm>
           <a:prstGeom prst="rect">
